--- a/CS445 - FinalStage3-2.pptx
+++ b/CS445 - FinalStage3-2.pptx
@@ -5701,7 +5701,7 @@
           <a:p>
             <a:fld id="{B7887058-86BA-E844-BF1C-AB84606A4D5E}" type="datetimeFigureOut">
               <a:rPr lang="en-US" smtClean="0"/>
-              <a:t>6/3/25</a:t>
+              <a:t>6/9/25</a:t>
             </a:fld>
             <a:endParaRPr lang="en-US"/>
           </a:p>
@@ -6115,7 +6115,7 @@
           <a:p>
             <a:fld id="{34BCBFF8-CCE1-CE4E-A2CF-33C358807193}" type="datetime1">
               <a:rPr lang="en-US" smtClean="0"/>
-              <a:t>6/3/25</a:t>
+              <a:t>6/9/25</a:t>
             </a:fld>
             <a:endParaRPr lang="en-US"/>
           </a:p>
@@ -6313,7 +6313,7 @@
           <a:p>
             <a:fld id="{88088044-A672-9349-8FE8-254A29B1B67B}" type="datetime1">
               <a:rPr lang="en-US" smtClean="0"/>
-              <a:t>6/3/25</a:t>
+              <a:t>6/9/25</a:t>
             </a:fld>
             <a:endParaRPr lang="en-US"/>
           </a:p>
@@ -6521,7 +6521,7 @@
           <a:p>
             <a:fld id="{BDDF6456-B754-8549-929F-9F598C0B8602}" type="datetime1">
               <a:rPr lang="en-US" smtClean="0"/>
-              <a:t>6/3/25</a:t>
+              <a:t>6/9/25</a:t>
             </a:fld>
             <a:endParaRPr lang="en-US"/>
           </a:p>
@@ -6719,7 +6719,7 @@
           <a:p>
             <a:fld id="{5C62AD2C-B6B2-3141-924C-DC1CE9A00B3D}" type="datetime1">
               <a:rPr lang="en-US" smtClean="0"/>
-              <a:t>6/3/25</a:t>
+              <a:t>6/9/25</a:t>
             </a:fld>
             <a:endParaRPr lang="en-US"/>
           </a:p>
@@ -6994,7 +6994,7 @@
           <a:p>
             <a:fld id="{A556C1C5-F015-2A49-AC75-FB5641A323C3}" type="datetime1">
               <a:rPr lang="en-US" smtClean="0"/>
-              <a:t>6/3/25</a:t>
+              <a:t>6/9/25</a:t>
             </a:fld>
             <a:endParaRPr lang="en-US"/>
           </a:p>
@@ -7259,7 +7259,7 @@
           <a:p>
             <a:fld id="{89D6F65A-E34B-9249-85DE-87B534A481E0}" type="datetime1">
               <a:rPr lang="en-US" smtClean="0"/>
-              <a:t>6/3/25</a:t>
+              <a:t>6/9/25</a:t>
             </a:fld>
             <a:endParaRPr lang="en-US"/>
           </a:p>
@@ -7671,7 +7671,7 @@
           <a:p>
             <a:fld id="{E8595572-47B2-E145-965A-7BFA571EAE68}" type="datetime1">
               <a:rPr lang="en-US" smtClean="0"/>
-              <a:t>6/3/25</a:t>
+              <a:t>6/9/25</a:t>
             </a:fld>
             <a:endParaRPr lang="en-US"/>
           </a:p>
@@ -7812,7 +7812,7 @@
           <a:p>
             <a:fld id="{4E7C3CF7-6159-584E-AECD-4D353B5516CC}" type="datetime1">
               <a:rPr lang="en-US" smtClean="0"/>
-              <a:t>6/3/25</a:t>
+              <a:t>6/9/25</a:t>
             </a:fld>
             <a:endParaRPr lang="en-US"/>
           </a:p>
@@ -7925,7 +7925,7 @@
           <a:p>
             <a:fld id="{DBF8CCD6-FF85-1146-ABD9-E2EA7B13C8C6}" type="datetime1">
               <a:rPr lang="en-US" smtClean="0"/>
-              <a:t>6/3/25</a:t>
+              <a:t>6/9/25</a:t>
             </a:fld>
             <a:endParaRPr lang="en-US"/>
           </a:p>
@@ -8236,7 +8236,7 @@
           <a:p>
             <a:fld id="{535CE000-CB53-D14D-A1C3-9032BAC771FC}" type="datetime1">
               <a:rPr lang="en-US" smtClean="0"/>
-              <a:t>6/3/25</a:t>
+              <a:t>6/9/25</a:t>
             </a:fld>
             <a:endParaRPr lang="en-US"/>
           </a:p>
@@ -8524,7 +8524,7 @@
           <a:p>
             <a:fld id="{F4E2A569-03AF-1A41-BC6E-8E6090A47638}" type="datetime1">
               <a:rPr lang="en-US" smtClean="0"/>
-              <a:t>6/3/25</a:t>
+              <a:t>6/9/25</a:t>
             </a:fld>
             <a:endParaRPr lang="en-US"/>
           </a:p>
@@ -8765,7 +8765,7 @@
           <a:p>
             <a:fld id="{9A8B638D-F715-AC47-8A81-B199C266B0D5}" type="datetime1">
               <a:rPr lang="en-US" smtClean="0"/>
-              <a:t>6/3/25</a:t>
+              <a:t>6/9/25</a:t>
             </a:fld>
             <a:endParaRPr lang="en-US"/>
           </a:p>
@@ -10454,150 +10454,6 @@
           </a:p>
         </p:txBody>
       </p:sp>
-      <p:pic>
-        <p:nvPicPr>
-          <p:cNvPr id="10" name="Picture 9" descr="A graph with a red line&#10;&#10;Description automatically generated">
-            <a:extLst>
-              <a:ext uri="{FF2B5EF4-FFF2-40B4-BE49-F238E27FC236}">
-                <a16:creationId xmlns:a16="http://schemas.microsoft.com/office/drawing/2014/main" id="{60EA95A6-75FF-346C-86DC-60FA44B61D10}"/>
-              </a:ext>
-            </a:extLst>
-          </p:cNvPr>
-          <p:cNvPicPr>
-            <a:picLocks noChangeAspect="1"/>
-          </p:cNvPicPr>
-          <p:nvPr/>
-        </p:nvPicPr>
-        <p:blipFill>
-          <a:blip r:embed="rId2">
-            <a:extLst>
-              <a:ext uri="{28A0092B-C50C-407E-A947-70E740481C1C}">
-                <a14:useLocalDpi xmlns:a14="http://schemas.microsoft.com/office/drawing/2010/main" val="0"/>
-              </a:ext>
-            </a:extLst>
-          </a:blip>
-          <a:stretch>
-            <a:fillRect/>
-          </a:stretch>
-        </p:blipFill>
-        <p:spPr>
-          <a:xfrm>
-            <a:off x="3063096" y="637709"/>
-            <a:ext cx="4501876" cy="2701124"/>
-          </a:xfrm>
-          <a:prstGeom prst="rect">
-            <a:avLst/>
-          </a:prstGeom>
-        </p:spPr>
-      </p:pic>
-      <p:pic>
-        <p:nvPicPr>
-          <p:cNvPr id="12" name="Picture 11" descr="A graph of a normalized so2&#10;&#10;Description automatically generated">
-            <a:extLst>
-              <a:ext uri="{FF2B5EF4-FFF2-40B4-BE49-F238E27FC236}">
-                <a16:creationId xmlns:a16="http://schemas.microsoft.com/office/drawing/2014/main" id="{67A237B8-EE95-BD8F-6475-A933D99E626E}"/>
-              </a:ext>
-            </a:extLst>
-          </p:cNvPr>
-          <p:cNvPicPr>
-            <a:picLocks noChangeAspect="1"/>
-          </p:cNvPicPr>
-          <p:nvPr/>
-        </p:nvPicPr>
-        <p:blipFill>
-          <a:blip r:embed="rId3">
-            <a:extLst>
-              <a:ext uri="{28A0092B-C50C-407E-A947-70E740481C1C}">
-                <a14:useLocalDpi xmlns:a14="http://schemas.microsoft.com/office/drawing/2010/main" val="0"/>
-              </a:ext>
-            </a:extLst>
-          </a:blip>
-          <a:stretch>
-            <a:fillRect/>
-          </a:stretch>
-        </p:blipFill>
-        <p:spPr>
-          <a:xfrm>
-            <a:off x="7587681" y="674285"/>
-            <a:ext cx="4501876" cy="2701124"/>
-          </a:xfrm>
-          <a:prstGeom prst="rect">
-            <a:avLst/>
-          </a:prstGeom>
-        </p:spPr>
-      </p:pic>
-      <p:pic>
-        <p:nvPicPr>
-          <p:cNvPr id="8" name="Picture 7" descr="A graph of a normalized value&#10;&#10;Description automatically generated">
-            <a:extLst>
-              <a:ext uri="{FF2B5EF4-FFF2-40B4-BE49-F238E27FC236}">
-                <a16:creationId xmlns:a16="http://schemas.microsoft.com/office/drawing/2014/main" id="{F30EE40A-808D-E919-29FB-08B6EFB27184}"/>
-              </a:ext>
-            </a:extLst>
-          </p:cNvPr>
-          <p:cNvPicPr>
-            <a:picLocks noChangeAspect="1"/>
-          </p:cNvPicPr>
-          <p:nvPr/>
-        </p:nvPicPr>
-        <p:blipFill>
-          <a:blip r:embed="rId4">
-            <a:extLst>
-              <a:ext uri="{28A0092B-C50C-407E-A947-70E740481C1C}">
-                <a14:useLocalDpi xmlns:a14="http://schemas.microsoft.com/office/drawing/2010/main" val="0"/>
-              </a:ext>
-            </a:extLst>
-          </a:blip>
-          <a:stretch>
-            <a:fillRect/>
-          </a:stretch>
-        </p:blipFill>
-        <p:spPr>
-          <a:xfrm>
-            <a:off x="3033153" y="3584340"/>
-            <a:ext cx="4501876" cy="2701124"/>
-          </a:xfrm>
-          <a:prstGeom prst="rect">
-            <a:avLst/>
-          </a:prstGeom>
-        </p:spPr>
-      </p:pic>
-      <p:pic>
-        <p:nvPicPr>
-          <p:cNvPr id="6" name="Picture 5" descr="A graph with a red and blue line&#10;&#10;Description automatically generated">
-            <a:extLst>
-              <a:ext uri="{FF2B5EF4-FFF2-40B4-BE49-F238E27FC236}">
-                <a16:creationId xmlns:a16="http://schemas.microsoft.com/office/drawing/2014/main" id="{7114B011-C69B-D228-43A0-D9C6FDC00295}"/>
-              </a:ext>
-            </a:extLst>
-          </p:cNvPr>
-          <p:cNvPicPr>
-            <a:picLocks noChangeAspect="1"/>
-          </p:cNvPicPr>
-          <p:nvPr/>
-        </p:nvPicPr>
-        <p:blipFill>
-          <a:blip r:embed="rId5">
-            <a:extLst>
-              <a:ext uri="{28A0092B-C50C-407E-A947-70E740481C1C}">
-                <a14:useLocalDpi xmlns:a14="http://schemas.microsoft.com/office/drawing/2010/main" val="0"/>
-              </a:ext>
-            </a:extLst>
-          </a:blip>
-          <a:stretch>
-            <a:fillRect/>
-          </a:stretch>
-        </p:blipFill>
-        <p:spPr>
-          <a:xfrm>
-            <a:off x="7535029" y="3647848"/>
-            <a:ext cx="4501876" cy="2701124"/>
-          </a:xfrm>
-          <a:prstGeom prst="rect">
-            <a:avLst/>
-          </a:prstGeom>
-        </p:spPr>
-      </p:pic>
       <p:sp>
         <p:nvSpPr>
           <p:cNvPr id="13" name="Slide Number Placeholder 12">
@@ -10627,6 +10483,150 @@
           </a:p>
         </p:txBody>
       </p:sp>
+      <p:pic>
+        <p:nvPicPr>
+          <p:cNvPr id="5" name="Picture 4" descr="A graph of a normalized co2&#10;&#10;Description automatically generated">
+            <a:extLst>
+              <a:ext uri="{FF2B5EF4-FFF2-40B4-BE49-F238E27FC236}">
+                <a16:creationId xmlns:a16="http://schemas.microsoft.com/office/drawing/2014/main" id="{8ADDBF5C-C626-9B9C-82FA-703802E4A9CC}"/>
+              </a:ext>
+            </a:extLst>
+          </p:cNvPr>
+          <p:cNvPicPr>
+            <a:picLocks noChangeAspect="1"/>
+          </p:cNvPicPr>
+          <p:nvPr/>
+        </p:nvPicPr>
+        <p:blipFill>
+          <a:blip r:embed="rId2">
+            <a:extLst>
+              <a:ext uri="{28A0092B-C50C-407E-A947-70E740481C1C}">
+                <a14:useLocalDpi xmlns:a14="http://schemas.microsoft.com/office/drawing/2010/main" val="0"/>
+              </a:ext>
+            </a:extLst>
+          </a:blip>
+          <a:stretch>
+            <a:fillRect/>
+          </a:stretch>
+        </p:blipFill>
+        <p:spPr>
+          <a:xfrm>
+            <a:off x="7326374" y="3429000"/>
+            <a:ext cx="4703776" cy="2822265"/>
+          </a:xfrm>
+          <a:prstGeom prst="rect">
+            <a:avLst/>
+          </a:prstGeom>
+        </p:spPr>
+      </p:pic>
+      <p:pic>
+        <p:nvPicPr>
+          <p:cNvPr id="9" name="Picture 8" descr="A graph of a normalized value&#10;&#10;Description automatically generated">
+            <a:extLst>
+              <a:ext uri="{FF2B5EF4-FFF2-40B4-BE49-F238E27FC236}">
+                <a16:creationId xmlns:a16="http://schemas.microsoft.com/office/drawing/2014/main" id="{CD6DB487-88B7-69A6-58C0-3AB3BC6C609F}"/>
+              </a:ext>
+            </a:extLst>
+          </p:cNvPr>
+          <p:cNvPicPr>
+            <a:picLocks noChangeAspect="1"/>
+          </p:cNvPicPr>
+          <p:nvPr/>
+        </p:nvPicPr>
+        <p:blipFill>
+          <a:blip r:embed="rId3">
+            <a:extLst>
+              <a:ext uri="{28A0092B-C50C-407E-A947-70E740481C1C}">
+                <a14:useLocalDpi xmlns:a14="http://schemas.microsoft.com/office/drawing/2010/main" val="0"/>
+              </a:ext>
+            </a:extLst>
+          </a:blip>
+          <a:stretch>
+            <a:fillRect/>
+          </a:stretch>
+        </p:blipFill>
+        <p:spPr>
+          <a:xfrm>
+            <a:off x="7326374" y="350600"/>
+            <a:ext cx="4699216" cy="2819530"/>
+          </a:xfrm>
+          <a:prstGeom prst="rect">
+            <a:avLst/>
+          </a:prstGeom>
+        </p:spPr>
+      </p:pic>
+      <p:pic>
+        <p:nvPicPr>
+          <p:cNvPr id="14" name="Picture 13" descr="A graph with red and blue lines&#10;&#10;Description automatically generated">
+            <a:extLst>
+              <a:ext uri="{FF2B5EF4-FFF2-40B4-BE49-F238E27FC236}">
+                <a16:creationId xmlns:a16="http://schemas.microsoft.com/office/drawing/2014/main" id="{639256A2-8C00-8AB1-C232-032FDA0E2987}"/>
+              </a:ext>
+            </a:extLst>
+          </p:cNvPr>
+          <p:cNvPicPr>
+            <a:picLocks noChangeAspect="1"/>
+          </p:cNvPicPr>
+          <p:nvPr/>
+        </p:nvPicPr>
+        <p:blipFill>
+          <a:blip r:embed="rId4">
+            <a:extLst>
+              <a:ext uri="{28A0092B-C50C-407E-A947-70E740481C1C}">
+                <a14:useLocalDpi xmlns:a14="http://schemas.microsoft.com/office/drawing/2010/main" val="0"/>
+              </a:ext>
+            </a:extLst>
+          </a:blip>
+          <a:stretch>
+            <a:fillRect/>
+          </a:stretch>
+        </p:blipFill>
+        <p:spPr>
+          <a:xfrm>
+            <a:off x="2718376" y="350600"/>
+            <a:ext cx="4699217" cy="2819531"/>
+          </a:xfrm>
+          <a:prstGeom prst="rect">
+            <a:avLst/>
+          </a:prstGeom>
+        </p:spPr>
+      </p:pic>
+      <p:pic>
+        <p:nvPicPr>
+          <p:cNvPr id="16" name="Picture 15" descr="A graph with a red line&#10;&#10;Description automatically generated">
+            <a:extLst>
+              <a:ext uri="{FF2B5EF4-FFF2-40B4-BE49-F238E27FC236}">
+                <a16:creationId xmlns:a16="http://schemas.microsoft.com/office/drawing/2014/main" id="{503B5473-680B-CAE4-4AAA-9D2FB4DD891F}"/>
+              </a:ext>
+            </a:extLst>
+          </p:cNvPr>
+          <p:cNvPicPr>
+            <a:picLocks noChangeAspect="1"/>
+          </p:cNvPicPr>
+          <p:nvPr/>
+        </p:nvPicPr>
+        <p:blipFill>
+          <a:blip r:embed="rId5">
+            <a:extLst>
+              <a:ext uri="{28A0092B-C50C-407E-A947-70E740481C1C}">
+                <a14:useLocalDpi xmlns:a14="http://schemas.microsoft.com/office/drawing/2010/main" val="0"/>
+              </a:ext>
+            </a:extLst>
+          </a:blip>
+          <a:stretch>
+            <a:fillRect/>
+          </a:stretch>
+        </p:blipFill>
+        <p:spPr>
+          <a:xfrm>
+            <a:off x="2718377" y="3348095"/>
+            <a:ext cx="4699216" cy="2819530"/>
+          </a:xfrm>
+          <a:prstGeom prst="rect">
+            <a:avLst/>
+          </a:prstGeom>
+        </p:spPr>
+      </p:pic>
     </p:spTree>
     <p:extLst>
       <p:ext uri="{BB962C8B-B14F-4D97-AF65-F5344CB8AC3E}">

--- a/CS445 - FinalStage3-2.pptx
+++ b/CS445 - FinalStage3-2.pptx
@@ -5701,7 +5701,7 @@
           <a:p>
             <a:fld id="{B7887058-86BA-E844-BF1C-AB84606A4D5E}" type="datetimeFigureOut">
               <a:rPr lang="en-US" smtClean="0"/>
-              <a:t>6/9/25</a:t>
+              <a:t>6/10/25</a:t>
             </a:fld>
             <a:endParaRPr lang="en-US"/>
           </a:p>
@@ -6115,7 +6115,7 @@
           <a:p>
             <a:fld id="{34BCBFF8-CCE1-CE4E-A2CF-33C358807193}" type="datetime1">
               <a:rPr lang="en-US" smtClean="0"/>
-              <a:t>6/9/25</a:t>
+              <a:t>6/10/25</a:t>
             </a:fld>
             <a:endParaRPr lang="en-US"/>
           </a:p>
@@ -6313,7 +6313,7 @@
           <a:p>
             <a:fld id="{88088044-A672-9349-8FE8-254A29B1B67B}" type="datetime1">
               <a:rPr lang="en-US" smtClean="0"/>
-              <a:t>6/9/25</a:t>
+              <a:t>6/10/25</a:t>
             </a:fld>
             <a:endParaRPr lang="en-US"/>
           </a:p>
@@ -6521,7 +6521,7 @@
           <a:p>
             <a:fld id="{BDDF6456-B754-8549-929F-9F598C0B8602}" type="datetime1">
               <a:rPr lang="en-US" smtClean="0"/>
-              <a:t>6/9/25</a:t>
+              <a:t>6/10/25</a:t>
             </a:fld>
             <a:endParaRPr lang="en-US"/>
           </a:p>
@@ -6719,7 +6719,7 @@
           <a:p>
             <a:fld id="{5C62AD2C-B6B2-3141-924C-DC1CE9A00B3D}" type="datetime1">
               <a:rPr lang="en-US" smtClean="0"/>
-              <a:t>6/9/25</a:t>
+              <a:t>6/10/25</a:t>
             </a:fld>
             <a:endParaRPr lang="en-US"/>
           </a:p>
@@ -6994,7 +6994,7 @@
           <a:p>
             <a:fld id="{A556C1C5-F015-2A49-AC75-FB5641A323C3}" type="datetime1">
               <a:rPr lang="en-US" smtClean="0"/>
-              <a:t>6/9/25</a:t>
+              <a:t>6/10/25</a:t>
             </a:fld>
             <a:endParaRPr lang="en-US"/>
           </a:p>
@@ -7259,7 +7259,7 @@
           <a:p>
             <a:fld id="{89D6F65A-E34B-9249-85DE-87B534A481E0}" type="datetime1">
               <a:rPr lang="en-US" smtClean="0"/>
-              <a:t>6/9/25</a:t>
+              <a:t>6/10/25</a:t>
             </a:fld>
             <a:endParaRPr lang="en-US"/>
           </a:p>
@@ -7671,7 +7671,7 @@
           <a:p>
             <a:fld id="{E8595572-47B2-E145-965A-7BFA571EAE68}" type="datetime1">
               <a:rPr lang="en-US" smtClean="0"/>
-              <a:t>6/9/25</a:t>
+              <a:t>6/10/25</a:t>
             </a:fld>
             <a:endParaRPr lang="en-US"/>
           </a:p>
@@ -7812,7 +7812,7 @@
           <a:p>
             <a:fld id="{4E7C3CF7-6159-584E-AECD-4D353B5516CC}" type="datetime1">
               <a:rPr lang="en-US" smtClean="0"/>
-              <a:t>6/9/25</a:t>
+              <a:t>6/10/25</a:t>
             </a:fld>
             <a:endParaRPr lang="en-US"/>
           </a:p>
@@ -7925,7 +7925,7 @@
           <a:p>
             <a:fld id="{DBF8CCD6-FF85-1146-ABD9-E2EA7B13C8C6}" type="datetime1">
               <a:rPr lang="en-US" smtClean="0"/>
-              <a:t>6/9/25</a:t>
+              <a:t>6/10/25</a:t>
             </a:fld>
             <a:endParaRPr lang="en-US"/>
           </a:p>
@@ -8236,7 +8236,7 @@
           <a:p>
             <a:fld id="{535CE000-CB53-D14D-A1C3-9032BAC771FC}" type="datetime1">
               <a:rPr lang="en-US" smtClean="0"/>
-              <a:t>6/9/25</a:t>
+              <a:t>6/10/25</a:t>
             </a:fld>
             <a:endParaRPr lang="en-US"/>
           </a:p>
@@ -8524,7 +8524,7 @@
           <a:p>
             <a:fld id="{F4E2A569-03AF-1A41-BC6E-8E6090A47638}" type="datetime1">
               <a:rPr lang="en-US" smtClean="0"/>
-              <a:t>6/9/25</a:t>
+              <a:t>6/10/25</a:t>
             </a:fld>
             <a:endParaRPr lang="en-US"/>
           </a:p>
@@ -8765,7 +8765,7 @@
           <a:p>
             <a:fld id="{9A8B638D-F715-AC47-8A81-B199C266B0D5}" type="datetime1">
               <a:rPr lang="en-US" smtClean="0"/>
-              <a:t>6/9/25</a:t>
+              <a:t>6/10/25</a:t>
             </a:fld>
             <a:endParaRPr lang="en-US"/>
           </a:p>
@@ -10485,10 +10485,10 @@
       </p:sp>
       <p:pic>
         <p:nvPicPr>
-          <p:cNvPr id="5" name="Picture 4" descr="A graph of a normalized co2&#10;&#10;Description automatically generated">
+          <p:cNvPr id="9" name="Picture 8" descr="A graph of a normalized value&#10;&#10;Description automatically generated">
             <a:extLst>
               <a:ext uri="{FF2B5EF4-FFF2-40B4-BE49-F238E27FC236}">
-                <a16:creationId xmlns:a16="http://schemas.microsoft.com/office/drawing/2014/main" id="{8ADDBF5C-C626-9B9C-82FA-703802E4A9CC}"/>
+                <a16:creationId xmlns:a16="http://schemas.microsoft.com/office/drawing/2014/main" id="{CD6DB487-88B7-69A6-58C0-3AB3BC6C609F}"/>
               </a:ext>
             </a:extLst>
           </p:cNvPr>
@@ -10511,43 +10511,7 @@
         </p:blipFill>
         <p:spPr>
           <a:xfrm>
-            <a:off x="7326374" y="3429000"/>
-            <a:ext cx="4703776" cy="2822265"/>
-          </a:xfrm>
-          <a:prstGeom prst="rect">
-            <a:avLst/>
-          </a:prstGeom>
-        </p:spPr>
-      </p:pic>
-      <p:pic>
-        <p:nvPicPr>
-          <p:cNvPr id="9" name="Picture 8" descr="A graph of a normalized value&#10;&#10;Description automatically generated">
-            <a:extLst>
-              <a:ext uri="{FF2B5EF4-FFF2-40B4-BE49-F238E27FC236}">
-                <a16:creationId xmlns:a16="http://schemas.microsoft.com/office/drawing/2014/main" id="{CD6DB487-88B7-69A6-58C0-3AB3BC6C609F}"/>
-              </a:ext>
-            </a:extLst>
-          </p:cNvPr>
-          <p:cNvPicPr>
-            <a:picLocks noChangeAspect="1"/>
-          </p:cNvPicPr>
-          <p:nvPr/>
-        </p:nvPicPr>
-        <p:blipFill>
-          <a:blip r:embed="rId3">
-            <a:extLst>
-              <a:ext uri="{28A0092B-C50C-407E-A947-70E740481C1C}">
-                <a14:useLocalDpi xmlns:a14="http://schemas.microsoft.com/office/drawing/2010/main" val="0"/>
-              </a:ext>
-            </a:extLst>
-          </a:blip>
-          <a:stretch>
-            <a:fillRect/>
-          </a:stretch>
-        </p:blipFill>
-        <p:spPr>
-          <a:xfrm>
-            <a:off x="7326374" y="350600"/>
+            <a:off x="2718377" y="3323915"/>
             <a:ext cx="4699216" cy="2819530"/>
           </a:xfrm>
           <a:prstGeom prst="rect">
@@ -10570,7 +10534,7 @@
           <p:nvPr/>
         </p:nvPicPr>
         <p:blipFill>
-          <a:blip r:embed="rId4">
+          <a:blip r:embed="rId3">
             <a:extLst>
               <a:ext uri="{28A0092B-C50C-407E-A947-70E740481C1C}">
                 <a14:useLocalDpi xmlns:a14="http://schemas.microsoft.com/office/drawing/2010/main" val="0"/>
@@ -10606,7 +10570,7 @@
           <p:nvPr/>
         </p:nvPicPr>
         <p:blipFill>
-          <a:blip r:embed="rId5">
+          <a:blip r:embed="rId4">
             <a:extLst>
               <a:ext uri="{28A0092B-C50C-407E-A947-70E740481C1C}">
                 <a14:useLocalDpi xmlns:a14="http://schemas.microsoft.com/office/drawing/2010/main" val="0"/>
@@ -10619,8 +10583,44 @@
         </p:blipFill>
         <p:spPr>
           <a:xfrm>
-            <a:off x="2718377" y="3348095"/>
+            <a:off x="7330934" y="350600"/>
             <a:ext cx="4699216" cy="2819530"/>
+          </a:xfrm>
+          <a:prstGeom prst="rect">
+            <a:avLst/>
+          </a:prstGeom>
+        </p:spPr>
+      </p:pic>
+      <p:pic>
+        <p:nvPicPr>
+          <p:cNvPr id="6" name="Picture 5" descr="A graph of a normalized co&#10;&#10;Description automatically generated">
+            <a:extLst>
+              <a:ext uri="{FF2B5EF4-FFF2-40B4-BE49-F238E27FC236}">
+                <a16:creationId xmlns:a16="http://schemas.microsoft.com/office/drawing/2014/main" id="{7DE5604A-62E9-6E2D-2DCA-9CEE6C1985AE}"/>
+              </a:ext>
+            </a:extLst>
+          </p:cNvPr>
+          <p:cNvPicPr>
+            <a:picLocks noChangeAspect="1"/>
+          </p:cNvPicPr>
+          <p:nvPr/>
+        </p:nvPicPr>
+        <p:blipFill>
+          <a:blip r:embed="rId5">
+            <a:extLst>
+              <a:ext uri="{28A0092B-C50C-407E-A947-70E740481C1C}">
+                <a14:useLocalDpi xmlns:a14="http://schemas.microsoft.com/office/drawing/2010/main" val="0"/>
+              </a:ext>
+            </a:extLst>
+          </a:blip>
+          <a:stretch>
+            <a:fillRect/>
+          </a:stretch>
+        </p:blipFill>
+        <p:spPr>
+          <a:xfrm>
+            <a:off x="7417593" y="3323914"/>
+            <a:ext cx="4699218" cy="2819531"/>
           </a:xfrm>
           <a:prstGeom prst="rect">
             <a:avLst/>
